--- a/20 - Modelo Conceitual de Negócio.pptx
+++ b/20 - Modelo Conceitual de Negócio.pptx
@@ -5,7 +5,7 @@
     <p:sldMasterId id="2147483648" r:id="rId1"/>
   </p:sldMasterIdLst>
   <p:sldIdLst>
-    <p:sldId id="256" r:id="rId3"/>
+    <p:sldId id="257" r:id="rId2"/>
   </p:sldIdLst>
   <p:sldSz cx="12192000" cy="6858000"/>
   <p:notesSz cx="6858000" cy="9144000"/>
@@ -104,7 +104,48 @@
       </a:defRPr>
     </a:lvl9pPr>
   </p:defaultTextStyle>
+  <p:extLst>
+    <p:ext uri="{EFAFB233-063F-42B5-8137-9DF3F51BA10A}">
+      <p15:sldGuideLst xmlns:p15="http://schemas.microsoft.com/office/powerpoint/2012/main"/>
+    </p:ext>
+  </p:extLst>
 </p:presentation>
+</file>
+
+<file path=ppt/changesInfos/changesInfo1.xml><?xml version="1.0" encoding="utf-8"?>
+<pc:chgInfo xmlns:a="http://schemas.openxmlformats.org/drawingml/2006/main" xmlns:r="http://schemas.openxmlformats.org/officeDocument/2006/relationships" xmlns:ac="http://schemas.microsoft.com/office/drawing/2013/main/command" xmlns:pc="http://schemas.microsoft.com/office/powerpoint/2013/main/command">
+  <pc:docChgLst>
+    <pc:chgData name="Pedro Botter Bondezan" userId="9a65a1c4a761de2f" providerId="LiveId" clId="{428841CD-228A-4303-8B17-1F2FA1865E9A}"/>
+    <pc:docChg chg="addSld delSld modSld">
+      <pc:chgData name="Pedro Botter Bondezan" userId="9a65a1c4a761de2f" providerId="LiveId" clId="{428841CD-228A-4303-8B17-1F2FA1865E9A}" dt="2020-10-25T21:54:33.240" v="7" actId="47"/>
+      <pc:docMkLst>
+        <pc:docMk/>
+      </pc:docMkLst>
+      <pc:sldChg chg="del">
+        <pc:chgData name="Pedro Botter Bondezan" userId="9a65a1c4a761de2f" providerId="LiveId" clId="{428841CD-228A-4303-8B17-1F2FA1865E9A}" dt="2020-10-25T21:54:33.240" v="7" actId="47"/>
+        <pc:sldMkLst>
+          <pc:docMk/>
+          <pc:sldMk cId="0" sldId="256"/>
+        </pc:sldMkLst>
+      </pc:sldChg>
+      <pc:sldChg chg="addSp modSp new mod">
+        <pc:chgData name="Pedro Botter Bondezan" userId="9a65a1c4a761de2f" providerId="LiveId" clId="{428841CD-228A-4303-8B17-1F2FA1865E9A}" dt="2020-10-25T21:54:19.435" v="6" actId="14100"/>
+        <pc:sldMkLst>
+          <pc:docMk/>
+          <pc:sldMk cId="3239790254" sldId="257"/>
+        </pc:sldMkLst>
+        <pc:picChg chg="add mod">
+          <ac:chgData name="Pedro Botter Bondezan" userId="9a65a1c4a761de2f" providerId="LiveId" clId="{428841CD-228A-4303-8B17-1F2FA1865E9A}" dt="2020-10-25T21:54:19.435" v="6" actId="14100"/>
+          <ac:picMkLst>
+            <pc:docMk/>
+            <pc:sldMk cId="3239790254" sldId="257"/>
+            <ac:picMk id="5" creationId="{E0229F52-6F2C-449B-A00A-E926581C94EF}"/>
+          </ac:picMkLst>
+        </pc:picChg>
+      </pc:sldChg>
+    </pc:docChg>
+  </pc:docChgLst>
+</pc:chgInfo>
 </file>
 
 <file path=ppt/slideLayouts/slideLayout1.xml><?xml version="1.0" encoding="utf-8"?>
@@ -149,10 +190,9 @@
           </a:lstStyle>
           <a:p>
             <a:r>
-              <a:rPr lang="en-US" smtClean="0"/>
+              <a:rPr lang="en-US"/>
               <a:t>Click to edit Master title style</a:t>
             </a:r>
-            <a:endParaRPr lang="en-US"/>
           </a:p>
         </p:txBody>
       </p:sp>
@@ -214,10 +254,9 @@
           </a:lstStyle>
           <a:p>
             <a:r>
-              <a:rPr lang="en-US" smtClean="0"/>
+              <a:rPr lang="en-US"/>
               <a:t>Click to edit Master subtitle style</a:t>
             </a:r>
-            <a:endParaRPr lang="en-US"/>
           </a:p>
         </p:txBody>
       </p:sp>
@@ -238,6 +277,7 @@
           <a:p>
             <a:fld id="{63A1C593-65D0-4073-BCC9-577B9352EA97}" type="datetimeFigureOut">
               <a:rPr lang="en-US" smtClean="0"/>
+              <a:t>10/25/2020</a:t>
             </a:fld>
             <a:endParaRPr lang="en-US"/>
           </a:p>
@@ -279,6 +319,7 @@
           <a:p>
             <a:fld id="{9B618960-8005-486C-9A75-10CB2AAC16F9}" type="slidenum">
               <a:rPr lang="en-US" smtClean="0"/>
+              <a:t>‹nº›</a:t>
             </a:fld>
             <a:endParaRPr lang="en-US"/>
           </a:p>
@@ -325,10 +366,9 @@
           <a:lstStyle/>
           <a:p>
             <a:r>
-              <a:rPr lang="en-US" smtClean="0"/>
+              <a:rPr lang="en-US"/>
               <a:t>Click to edit Master title style</a:t>
             </a:r>
-            <a:endParaRPr lang="en-US"/>
           </a:p>
         </p:txBody>
       </p:sp>
@@ -349,42 +389,37 @@
           <a:p>
             <a:pPr lvl="0"/>
             <a:r>
-              <a:rPr lang="en-US" smtClean="0"/>
+              <a:rPr lang="en-US"/>
               <a:t>Click to edit Master text styles</a:t>
             </a:r>
-            <a:endParaRPr lang="en-US" smtClean="0"/>
           </a:p>
           <a:p>
             <a:pPr lvl="1"/>
             <a:r>
-              <a:rPr lang="en-US" smtClean="0"/>
+              <a:rPr lang="en-US"/>
               <a:t>Second level</a:t>
             </a:r>
-            <a:endParaRPr lang="en-US" smtClean="0"/>
           </a:p>
           <a:p>
             <a:pPr lvl="2"/>
             <a:r>
-              <a:rPr lang="en-US" smtClean="0"/>
+              <a:rPr lang="en-US"/>
               <a:t>Third level</a:t>
             </a:r>
-            <a:endParaRPr lang="en-US" smtClean="0"/>
           </a:p>
           <a:p>
             <a:pPr lvl="3"/>
             <a:r>
-              <a:rPr lang="en-US" smtClean="0"/>
+              <a:rPr lang="en-US"/>
               <a:t>Fourth level</a:t>
             </a:r>
-            <a:endParaRPr lang="en-US" smtClean="0"/>
           </a:p>
           <a:p>
             <a:pPr lvl="4"/>
             <a:r>
-              <a:rPr lang="en-US" smtClean="0"/>
+              <a:rPr lang="en-US"/>
               <a:t>Fifth level</a:t>
             </a:r>
-            <a:endParaRPr lang="en-US"/>
           </a:p>
         </p:txBody>
       </p:sp>
@@ -405,6 +440,7 @@
           <a:p>
             <a:fld id="{63A1C593-65D0-4073-BCC9-577B9352EA97}" type="datetimeFigureOut">
               <a:rPr lang="en-US" smtClean="0"/>
+              <a:t>10/25/2020</a:t>
             </a:fld>
             <a:endParaRPr lang="en-US"/>
           </a:p>
@@ -446,6 +482,7 @@
           <a:p>
             <a:fld id="{9B618960-8005-486C-9A75-10CB2AAC16F9}" type="slidenum">
               <a:rPr lang="en-US" smtClean="0"/>
+              <a:t>‹nº›</a:t>
             </a:fld>
             <a:endParaRPr lang="en-US"/>
           </a:p>
@@ -497,10 +534,9 @@
           <a:lstStyle/>
           <a:p>
             <a:r>
-              <a:rPr lang="en-US" smtClean="0"/>
+              <a:rPr lang="en-US"/>
               <a:t>Click to edit Master title style</a:t>
             </a:r>
-            <a:endParaRPr lang="en-US"/>
           </a:p>
         </p:txBody>
       </p:sp>
@@ -526,42 +562,37 @@
           <a:p>
             <a:pPr lvl="0"/>
             <a:r>
-              <a:rPr lang="en-US" smtClean="0"/>
+              <a:rPr lang="en-US"/>
               <a:t>Click to edit Master text styles</a:t>
             </a:r>
-            <a:endParaRPr lang="en-US" smtClean="0"/>
           </a:p>
           <a:p>
             <a:pPr lvl="1"/>
             <a:r>
-              <a:rPr lang="en-US" smtClean="0"/>
+              <a:rPr lang="en-US"/>
               <a:t>Second level</a:t>
             </a:r>
-            <a:endParaRPr lang="en-US" smtClean="0"/>
           </a:p>
           <a:p>
             <a:pPr lvl="2"/>
             <a:r>
-              <a:rPr lang="en-US" smtClean="0"/>
+              <a:rPr lang="en-US"/>
               <a:t>Third level</a:t>
             </a:r>
-            <a:endParaRPr lang="en-US" smtClean="0"/>
           </a:p>
           <a:p>
             <a:pPr lvl="3"/>
             <a:r>
-              <a:rPr lang="en-US" smtClean="0"/>
+              <a:rPr lang="en-US"/>
               <a:t>Fourth level</a:t>
             </a:r>
-            <a:endParaRPr lang="en-US" smtClean="0"/>
           </a:p>
           <a:p>
             <a:pPr lvl="4"/>
             <a:r>
-              <a:rPr lang="en-US" smtClean="0"/>
+              <a:rPr lang="en-US"/>
               <a:t>Fifth level</a:t>
             </a:r>
-            <a:endParaRPr lang="en-US"/>
           </a:p>
         </p:txBody>
       </p:sp>
@@ -582,6 +613,7 @@
           <a:p>
             <a:fld id="{63A1C593-65D0-4073-BCC9-577B9352EA97}" type="datetimeFigureOut">
               <a:rPr lang="en-US" smtClean="0"/>
+              <a:t>10/25/2020</a:t>
             </a:fld>
             <a:endParaRPr lang="en-US"/>
           </a:p>
@@ -623,6 +655,7 @@
           <a:p>
             <a:fld id="{9B618960-8005-486C-9A75-10CB2AAC16F9}" type="slidenum">
               <a:rPr lang="en-US" smtClean="0"/>
+              <a:t>‹nº›</a:t>
             </a:fld>
             <a:endParaRPr lang="en-US"/>
           </a:p>
@@ -669,10 +702,9 @@
           <a:lstStyle/>
           <a:p>
             <a:r>
-              <a:rPr lang="en-US" smtClean="0"/>
+              <a:rPr lang="en-US"/>
               <a:t>Click to edit Master title style</a:t>
             </a:r>
-            <a:endParaRPr lang="en-US"/>
           </a:p>
         </p:txBody>
       </p:sp>
@@ -693,42 +725,37 @@
           <a:p>
             <a:pPr lvl="0"/>
             <a:r>
-              <a:rPr lang="en-US" smtClean="0"/>
+              <a:rPr lang="en-US"/>
               <a:t>Click to edit Master text styles</a:t>
             </a:r>
-            <a:endParaRPr lang="en-US" smtClean="0"/>
           </a:p>
           <a:p>
             <a:pPr lvl="1"/>
             <a:r>
-              <a:rPr lang="en-US" smtClean="0"/>
+              <a:rPr lang="en-US"/>
               <a:t>Second level</a:t>
             </a:r>
-            <a:endParaRPr lang="en-US" smtClean="0"/>
           </a:p>
           <a:p>
             <a:pPr lvl="2"/>
             <a:r>
-              <a:rPr lang="en-US" smtClean="0"/>
+              <a:rPr lang="en-US"/>
               <a:t>Third level</a:t>
             </a:r>
-            <a:endParaRPr lang="en-US" smtClean="0"/>
           </a:p>
           <a:p>
             <a:pPr lvl="3"/>
             <a:r>
-              <a:rPr lang="en-US" smtClean="0"/>
+              <a:rPr lang="en-US"/>
               <a:t>Fourth level</a:t>
             </a:r>
-            <a:endParaRPr lang="en-US" smtClean="0"/>
           </a:p>
           <a:p>
             <a:pPr lvl="4"/>
             <a:r>
-              <a:rPr lang="en-US" smtClean="0"/>
+              <a:rPr lang="en-US"/>
               <a:t>Fifth level</a:t>
             </a:r>
-            <a:endParaRPr lang="en-US"/>
           </a:p>
         </p:txBody>
       </p:sp>
@@ -749,6 +776,7 @@
           <a:p>
             <a:fld id="{63A1C593-65D0-4073-BCC9-577B9352EA97}" type="datetimeFigureOut">
               <a:rPr lang="en-US" smtClean="0"/>
+              <a:t>10/25/2020</a:t>
             </a:fld>
             <a:endParaRPr lang="en-US"/>
           </a:p>
@@ -790,6 +818,7 @@
           <a:p>
             <a:fld id="{9B618960-8005-486C-9A75-10CB2AAC16F9}" type="slidenum">
               <a:rPr lang="en-US" smtClean="0"/>
+              <a:t>‹nº›</a:t>
             </a:fld>
             <a:endParaRPr lang="en-US"/>
           </a:p>
@@ -845,10 +874,9 @@
           </a:lstStyle>
           <a:p>
             <a:r>
-              <a:rPr lang="en-US" smtClean="0"/>
+              <a:rPr lang="en-US"/>
               <a:t>Click to edit Master title style</a:t>
             </a:r>
-            <a:endParaRPr lang="en-US"/>
           </a:p>
         </p:txBody>
       </p:sp>
@@ -965,10 +993,9 @@
           <a:p>
             <a:pPr lvl="0"/>
             <a:r>
-              <a:rPr lang="en-US" smtClean="0"/>
+              <a:rPr lang="en-US"/>
               <a:t>Click to edit Master text styles</a:t>
             </a:r>
-            <a:endParaRPr lang="en-US" smtClean="0"/>
           </a:p>
         </p:txBody>
       </p:sp>
@@ -989,6 +1016,7 @@
           <a:p>
             <a:fld id="{63A1C593-65D0-4073-BCC9-577B9352EA97}" type="datetimeFigureOut">
               <a:rPr lang="en-US" smtClean="0"/>
+              <a:t>10/25/2020</a:t>
             </a:fld>
             <a:endParaRPr lang="en-US"/>
           </a:p>
@@ -1030,6 +1058,7 @@
           <a:p>
             <a:fld id="{9B618960-8005-486C-9A75-10CB2AAC16F9}" type="slidenum">
               <a:rPr lang="en-US" smtClean="0"/>
+              <a:t>‹nº›</a:t>
             </a:fld>
             <a:endParaRPr lang="en-US"/>
           </a:p>
@@ -1076,10 +1105,9 @@
           <a:lstStyle/>
           <a:p>
             <a:r>
-              <a:rPr lang="en-US" smtClean="0"/>
+              <a:rPr lang="en-US"/>
               <a:t>Click to edit Master title style</a:t>
             </a:r>
-            <a:endParaRPr lang="en-US"/>
           </a:p>
         </p:txBody>
       </p:sp>
@@ -1105,42 +1133,37 @@
           <a:p>
             <a:pPr lvl="0"/>
             <a:r>
-              <a:rPr lang="en-US" smtClean="0"/>
+              <a:rPr lang="en-US"/>
               <a:t>Click to edit Master text styles</a:t>
             </a:r>
-            <a:endParaRPr lang="en-US" smtClean="0"/>
           </a:p>
           <a:p>
             <a:pPr lvl="1"/>
             <a:r>
-              <a:rPr lang="en-US" smtClean="0"/>
+              <a:rPr lang="en-US"/>
               <a:t>Second level</a:t>
             </a:r>
-            <a:endParaRPr lang="en-US" smtClean="0"/>
           </a:p>
           <a:p>
             <a:pPr lvl="2"/>
             <a:r>
-              <a:rPr lang="en-US" smtClean="0"/>
+              <a:rPr lang="en-US"/>
               <a:t>Third level</a:t>
             </a:r>
-            <a:endParaRPr lang="en-US" smtClean="0"/>
           </a:p>
           <a:p>
             <a:pPr lvl="3"/>
             <a:r>
-              <a:rPr lang="en-US" smtClean="0"/>
+              <a:rPr lang="en-US"/>
               <a:t>Fourth level</a:t>
             </a:r>
-            <a:endParaRPr lang="en-US" smtClean="0"/>
           </a:p>
           <a:p>
             <a:pPr lvl="4"/>
             <a:r>
-              <a:rPr lang="en-US" smtClean="0"/>
+              <a:rPr lang="en-US"/>
               <a:t>Fifth level</a:t>
             </a:r>
-            <a:endParaRPr lang="en-US"/>
           </a:p>
         </p:txBody>
       </p:sp>
@@ -1166,42 +1189,37 @@
           <a:p>
             <a:pPr lvl="0"/>
             <a:r>
-              <a:rPr lang="en-US" smtClean="0"/>
+              <a:rPr lang="en-US"/>
               <a:t>Click to edit Master text styles</a:t>
             </a:r>
-            <a:endParaRPr lang="en-US" smtClean="0"/>
           </a:p>
           <a:p>
             <a:pPr lvl="1"/>
             <a:r>
-              <a:rPr lang="en-US" smtClean="0"/>
+              <a:rPr lang="en-US"/>
               <a:t>Second level</a:t>
             </a:r>
-            <a:endParaRPr lang="en-US" smtClean="0"/>
           </a:p>
           <a:p>
             <a:pPr lvl="2"/>
             <a:r>
-              <a:rPr lang="en-US" smtClean="0"/>
+              <a:rPr lang="en-US"/>
               <a:t>Third level</a:t>
             </a:r>
-            <a:endParaRPr lang="en-US" smtClean="0"/>
           </a:p>
           <a:p>
             <a:pPr lvl="3"/>
             <a:r>
-              <a:rPr lang="en-US" smtClean="0"/>
+              <a:rPr lang="en-US"/>
               <a:t>Fourth level</a:t>
             </a:r>
-            <a:endParaRPr lang="en-US" smtClean="0"/>
           </a:p>
           <a:p>
             <a:pPr lvl="4"/>
             <a:r>
-              <a:rPr lang="en-US" smtClean="0"/>
+              <a:rPr lang="en-US"/>
               <a:t>Fifth level</a:t>
             </a:r>
-            <a:endParaRPr lang="en-US"/>
           </a:p>
         </p:txBody>
       </p:sp>
@@ -1222,6 +1240,7 @@
           <a:p>
             <a:fld id="{63A1C593-65D0-4073-BCC9-577B9352EA97}" type="datetimeFigureOut">
               <a:rPr lang="en-US" smtClean="0"/>
+              <a:t>10/25/2020</a:t>
             </a:fld>
             <a:endParaRPr lang="en-US"/>
           </a:p>
@@ -1263,6 +1282,7 @@
           <a:p>
             <a:fld id="{9B618960-8005-486C-9A75-10CB2AAC16F9}" type="slidenum">
               <a:rPr lang="en-US" smtClean="0"/>
+              <a:t>‹nº›</a:t>
             </a:fld>
             <a:endParaRPr lang="en-US"/>
           </a:p>
@@ -1314,10 +1334,9 @@
           <a:lstStyle/>
           <a:p>
             <a:r>
-              <a:rPr lang="en-US" smtClean="0"/>
+              <a:rPr lang="en-US"/>
               <a:t>Click to edit Master title style</a:t>
             </a:r>
-            <a:endParaRPr lang="en-US"/>
           </a:p>
         </p:txBody>
       </p:sp>
@@ -1380,10 +1399,9 @@
           <a:p>
             <a:pPr lvl="0"/>
             <a:r>
-              <a:rPr lang="en-US" smtClean="0"/>
+              <a:rPr lang="en-US"/>
               <a:t>Click to edit Master text styles</a:t>
             </a:r>
-            <a:endParaRPr lang="en-US" smtClean="0"/>
           </a:p>
         </p:txBody>
       </p:sp>
@@ -1409,42 +1427,37 @@
           <a:p>
             <a:pPr lvl="0"/>
             <a:r>
-              <a:rPr lang="en-US" smtClean="0"/>
+              <a:rPr lang="en-US"/>
               <a:t>Click to edit Master text styles</a:t>
             </a:r>
-            <a:endParaRPr lang="en-US" smtClean="0"/>
           </a:p>
           <a:p>
             <a:pPr lvl="1"/>
             <a:r>
-              <a:rPr lang="en-US" smtClean="0"/>
+              <a:rPr lang="en-US"/>
               <a:t>Second level</a:t>
             </a:r>
-            <a:endParaRPr lang="en-US" smtClean="0"/>
           </a:p>
           <a:p>
             <a:pPr lvl="2"/>
             <a:r>
-              <a:rPr lang="en-US" smtClean="0"/>
+              <a:rPr lang="en-US"/>
               <a:t>Third level</a:t>
             </a:r>
-            <a:endParaRPr lang="en-US" smtClean="0"/>
           </a:p>
           <a:p>
             <a:pPr lvl="3"/>
             <a:r>
-              <a:rPr lang="en-US" smtClean="0"/>
+              <a:rPr lang="en-US"/>
               <a:t>Fourth level</a:t>
             </a:r>
-            <a:endParaRPr lang="en-US" smtClean="0"/>
           </a:p>
           <a:p>
             <a:pPr lvl="4"/>
             <a:r>
-              <a:rPr lang="en-US" smtClean="0"/>
+              <a:rPr lang="en-US"/>
               <a:t>Fifth level</a:t>
             </a:r>
-            <a:endParaRPr lang="en-US"/>
           </a:p>
         </p:txBody>
       </p:sp>
@@ -1507,10 +1520,9 @@
           <a:p>
             <a:pPr lvl="0"/>
             <a:r>
-              <a:rPr lang="en-US" smtClean="0"/>
+              <a:rPr lang="en-US"/>
               <a:t>Click to edit Master text styles</a:t>
             </a:r>
-            <a:endParaRPr lang="en-US" smtClean="0"/>
           </a:p>
         </p:txBody>
       </p:sp>
@@ -1536,42 +1548,37 @@
           <a:p>
             <a:pPr lvl="0"/>
             <a:r>
-              <a:rPr lang="en-US" smtClean="0"/>
+              <a:rPr lang="en-US"/>
               <a:t>Click to edit Master text styles</a:t>
             </a:r>
-            <a:endParaRPr lang="en-US" smtClean="0"/>
           </a:p>
           <a:p>
             <a:pPr lvl="1"/>
             <a:r>
-              <a:rPr lang="en-US" smtClean="0"/>
+              <a:rPr lang="en-US"/>
               <a:t>Second level</a:t>
             </a:r>
-            <a:endParaRPr lang="en-US" smtClean="0"/>
           </a:p>
           <a:p>
             <a:pPr lvl="2"/>
             <a:r>
-              <a:rPr lang="en-US" smtClean="0"/>
+              <a:rPr lang="en-US"/>
               <a:t>Third level</a:t>
             </a:r>
-            <a:endParaRPr lang="en-US" smtClean="0"/>
           </a:p>
           <a:p>
             <a:pPr lvl="3"/>
             <a:r>
-              <a:rPr lang="en-US" smtClean="0"/>
+              <a:rPr lang="en-US"/>
               <a:t>Fourth level</a:t>
             </a:r>
-            <a:endParaRPr lang="en-US" smtClean="0"/>
           </a:p>
           <a:p>
             <a:pPr lvl="4"/>
             <a:r>
-              <a:rPr lang="en-US" smtClean="0"/>
+              <a:rPr lang="en-US"/>
               <a:t>Fifth level</a:t>
             </a:r>
-            <a:endParaRPr lang="en-US"/>
           </a:p>
         </p:txBody>
       </p:sp>
@@ -1592,6 +1599,7 @@
           <a:p>
             <a:fld id="{63A1C593-65D0-4073-BCC9-577B9352EA97}" type="datetimeFigureOut">
               <a:rPr lang="en-US" smtClean="0"/>
+              <a:t>10/25/2020</a:t>
             </a:fld>
             <a:endParaRPr lang="en-US"/>
           </a:p>
@@ -1633,6 +1641,7 @@
           <a:p>
             <a:fld id="{9B618960-8005-486C-9A75-10CB2AAC16F9}" type="slidenum">
               <a:rPr lang="en-US" smtClean="0"/>
+              <a:t>‹nº›</a:t>
             </a:fld>
             <a:endParaRPr lang="en-US"/>
           </a:p>
@@ -1679,10 +1688,9 @@
           <a:lstStyle/>
           <a:p>
             <a:r>
-              <a:rPr lang="en-US" smtClean="0"/>
+              <a:rPr lang="en-US"/>
               <a:t>Click to edit Master title style</a:t>
             </a:r>
-            <a:endParaRPr lang="en-US"/>
           </a:p>
         </p:txBody>
       </p:sp>
@@ -1703,6 +1711,7 @@
           <a:p>
             <a:fld id="{63A1C593-65D0-4073-BCC9-577B9352EA97}" type="datetimeFigureOut">
               <a:rPr lang="en-US" smtClean="0"/>
+              <a:t>10/25/2020</a:t>
             </a:fld>
             <a:endParaRPr lang="en-US"/>
           </a:p>
@@ -1744,6 +1753,7 @@
           <a:p>
             <a:fld id="{9B618960-8005-486C-9A75-10CB2AAC16F9}" type="slidenum">
               <a:rPr lang="en-US" smtClean="0"/>
+              <a:t>‹nº›</a:t>
             </a:fld>
             <a:endParaRPr lang="en-US"/>
           </a:p>
@@ -1791,6 +1801,7 @@
           <a:p>
             <a:fld id="{63A1C593-65D0-4073-BCC9-577B9352EA97}" type="datetimeFigureOut">
               <a:rPr lang="en-US" smtClean="0"/>
+              <a:t>10/25/2020</a:t>
             </a:fld>
             <a:endParaRPr lang="en-US"/>
           </a:p>
@@ -1832,6 +1843,7 @@
           <a:p>
             <a:fld id="{9B618960-8005-486C-9A75-10CB2AAC16F9}" type="slidenum">
               <a:rPr lang="en-US" smtClean="0"/>
+              <a:t>‹nº›</a:t>
             </a:fld>
             <a:endParaRPr lang="en-US"/>
           </a:p>
@@ -1887,10 +1899,9 @@
           </a:lstStyle>
           <a:p>
             <a:r>
-              <a:rPr lang="en-US" smtClean="0"/>
+              <a:rPr lang="en-US"/>
               <a:t>Click to edit Master title style</a:t>
             </a:r>
-            <a:endParaRPr lang="en-US"/>
           </a:p>
         </p:txBody>
       </p:sp>
@@ -1944,42 +1955,37 @@
           <a:p>
             <a:pPr lvl="0"/>
             <a:r>
-              <a:rPr lang="en-US" smtClean="0"/>
+              <a:rPr lang="en-US"/>
               <a:t>Click to edit Master text styles</a:t>
             </a:r>
-            <a:endParaRPr lang="en-US" smtClean="0"/>
           </a:p>
           <a:p>
             <a:pPr lvl="1"/>
             <a:r>
-              <a:rPr lang="en-US" smtClean="0"/>
+              <a:rPr lang="en-US"/>
               <a:t>Second level</a:t>
             </a:r>
-            <a:endParaRPr lang="en-US" smtClean="0"/>
           </a:p>
           <a:p>
             <a:pPr lvl="2"/>
             <a:r>
-              <a:rPr lang="en-US" smtClean="0"/>
+              <a:rPr lang="en-US"/>
               <a:t>Third level</a:t>
             </a:r>
-            <a:endParaRPr lang="en-US" smtClean="0"/>
           </a:p>
           <a:p>
             <a:pPr lvl="3"/>
             <a:r>
-              <a:rPr lang="en-US" smtClean="0"/>
+              <a:rPr lang="en-US"/>
               <a:t>Fourth level</a:t>
             </a:r>
-            <a:endParaRPr lang="en-US" smtClean="0"/>
           </a:p>
           <a:p>
             <a:pPr lvl="4"/>
             <a:r>
-              <a:rPr lang="en-US" smtClean="0"/>
+              <a:rPr lang="en-US"/>
               <a:t>Fifth level</a:t>
             </a:r>
-            <a:endParaRPr lang="en-US"/>
           </a:p>
         </p:txBody>
       </p:sp>
@@ -2042,10 +2048,9 @@
           <a:p>
             <a:pPr lvl="0"/>
             <a:r>
-              <a:rPr lang="en-US" smtClean="0"/>
+              <a:rPr lang="en-US"/>
               <a:t>Click to edit Master text styles</a:t>
             </a:r>
-            <a:endParaRPr lang="en-US" smtClean="0"/>
           </a:p>
         </p:txBody>
       </p:sp>
@@ -2066,6 +2071,7 @@
           <a:p>
             <a:fld id="{63A1C593-65D0-4073-BCC9-577B9352EA97}" type="datetimeFigureOut">
               <a:rPr lang="en-US" smtClean="0"/>
+              <a:t>10/25/2020</a:t>
             </a:fld>
             <a:endParaRPr lang="en-US"/>
           </a:p>
@@ -2107,6 +2113,7 @@
           <a:p>
             <a:fld id="{9B618960-8005-486C-9A75-10CB2AAC16F9}" type="slidenum">
               <a:rPr lang="en-US" smtClean="0"/>
+              <a:t>‹nº›</a:t>
             </a:fld>
             <a:endParaRPr lang="en-US"/>
           </a:p>
@@ -2162,10 +2169,9 @@
           </a:lstStyle>
           <a:p>
             <a:r>
-              <a:rPr lang="en-US" smtClean="0"/>
+              <a:rPr lang="en-US"/>
               <a:t>Click to edit Master title style</a:t>
             </a:r>
-            <a:endParaRPr lang="en-US"/>
           </a:p>
         </p:txBody>
       </p:sp>
@@ -2289,10 +2295,9 @@
           <a:p>
             <a:pPr lvl="0"/>
             <a:r>
-              <a:rPr lang="en-US" smtClean="0"/>
+              <a:rPr lang="en-US"/>
               <a:t>Click to edit Master text styles</a:t>
             </a:r>
-            <a:endParaRPr lang="en-US" smtClean="0"/>
           </a:p>
         </p:txBody>
       </p:sp>
@@ -2313,6 +2318,7 @@
           <a:p>
             <a:fld id="{63A1C593-65D0-4073-BCC9-577B9352EA97}" type="datetimeFigureOut">
               <a:rPr lang="en-US" smtClean="0"/>
+              <a:t>10/25/2020</a:t>
             </a:fld>
             <a:endParaRPr lang="en-US"/>
           </a:p>
@@ -2354,6 +2360,7 @@
           <a:p>
             <a:fld id="{9B618960-8005-486C-9A75-10CB2AAC16F9}" type="slidenum">
               <a:rPr lang="en-US" smtClean="0"/>
+              <a:t>‹nº›</a:t>
             </a:fld>
             <a:endParaRPr lang="en-US"/>
           </a:p>
@@ -2415,10 +2422,9 @@
           <a:lstStyle/>
           <a:p>
             <a:r>
-              <a:rPr lang="en-US" smtClean="0"/>
+              <a:rPr lang="en-US"/>
               <a:t>Click to edit Master title style</a:t>
             </a:r>
-            <a:endParaRPr lang="en-US"/>
           </a:p>
         </p:txBody>
       </p:sp>
@@ -2449,42 +2455,37 @@
           <a:p>
             <a:pPr lvl="0"/>
             <a:r>
-              <a:rPr lang="en-US" smtClean="0"/>
+              <a:rPr lang="en-US"/>
               <a:t>Click to edit Master text styles</a:t>
             </a:r>
-            <a:endParaRPr lang="en-US" smtClean="0"/>
           </a:p>
           <a:p>
             <a:pPr lvl="1"/>
             <a:r>
-              <a:rPr lang="en-US" smtClean="0"/>
+              <a:rPr lang="en-US"/>
               <a:t>Second level</a:t>
             </a:r>
-            <a:endParaRPr lang="en-US" smtClean="0"/>
           </a:p>
           <a:p>
             <a:pPr lvl="2"/>
             <a:r>
-              <a:rPr lang="en-US" smtClean="0"/>
+              <a:rPr lang="en-US"/>
               <a:t>Third level</a:t>
             </a:r>
-            <a:endParaRPr lang="en-US" smtClean="0"/>
           </a:p>
           <a:p>
             <a:pPr lvl="3"/>
             <a:r>
-              <a:rPr lang="en-US" smtClean="0"/>
+              <a:rPr lang="en-US"/>
               <a:t>Fourth level</a:t>
             </a:r>
-            <a:endParaRPr lang="en-US" smtClean="0"/>
           </a:p>
           <a:p>
             <a:pPr lvl="4"/>
             <a:r>
-              <a:rPr lang="en-US" smtClean="0"/>
+              <a:rPr lang="en-US"/>
               <a:t>Fifth level</a:t>
             </a:r>
-            <a:endParaRPr lang="en-US"/>
           </a:p>
         </p:txBody>
       </p:sp>
@@ -2523,6 +2524,7 @@
           <a:p>
             <a:fld id="{63A1C593-65D0-4073-BCC9-577B9352EA97}" type="datetimeFigureOut">
               <a:rPr lang="en-US" smtClean="0"/>
+              <a:t>10/25/2020</a:t>
             </a:fld>
             <a:endParaRPr lang="en-US"/>
           </a:p>
@@ -2600,6 +2602,7 @@
           <a:p>
             <a:fld id="{9B618960-8005-486C-9A75-10CB2AAC16F9}" type="slidenum">
               <a:rPr lang="en-US" smtClean="0"/>
+              <a:t>‹nº›</a:t>
             </a:fld>
             <a:endParaRPr lang="en-US"/>
           </a:p>
@@ -2921,24 +2924,80 @@
           <a:chExt cx="0" cy="0"/>
         </a:xfrm>
       </p:grpSpPr>
+      <p:sp>
+        <p:nvSpPr>
+          <p:cNvPr id="2" name="Título 1">
+            <a:extLst>
+              <a:ext uri="{FF2B5EF4-FFF2-40B4-BE49-F238E27FC236}">
+                <a16:creationId xmlns:a16="http://schemas.microsoft.com/office/drawing/2014/main" id="{B6141A57-5229-48B7-93A5-A803E729CD9D}"/>
+              </a:ext>
+            </a:extLst>
+          </p:cNvPr>
+          <p:cNvSpPr>
+            <a:spLocks noGrp="1"/>
+          </p:cNvSpPr>
+          <p:nvPr>
+            <p:ph type="title"/>
+          </p:nvPr>
+        </p:nvSpPr>
+        <p:spPr/>
+        <p:txBody>
+          <a:bodyPr/>
+          <a:lstStyle/>
+          <a:p>
+            <a:endParaRPr lang="pt-BR"/>
+          </a:p>
+        </p:txBody>
+      </p:sp>
+      <p:sp>
+        <p:nvSpPr>
+          <p:cNvPr id="3" name="Espaço Reservado para Conteúdo 2">
+            <a:extLst>
+              <a:ext uri="{FF2B5EF4-FFF2-40B4-BE49-F238E27FC236}">
+                <a16:creationId xmlns:a16="http://schemas.microsoft.com/office/drawing/2014/main" id="{B8F429AD-6AAE-4EFC-9805-5E213A5C7D35}"/>
+              </a:ext>
+            </a:extLst>
+          </p:cNvPr>
+          <p:cNvSpPr>
+            <a:spLocks noGrp="1"/>
+          </p:cNvSpPr>
+          <p:nvPr>
+            <p:ph idx="1"/>
+          </p:nvPr>
+        </p:nvSpPr>
+        <p:spPr/>
+        <p:txBody>
+          <a:bodyPr/>
+          <a:lstStyle/>
+          <a:p>
+            <a:endParaRPr lang="pt-BR"/>
+          </a:p>
+        </p:txBody>
+      </p:sp>
       <p:pic>
         <p:nvPicPr>
-          <p:cNvPr id="3" name="Imagem 2"/>
+          <p:cNvPr id="5" name="Imagem 4">
+            <a:extLst>
+              <a:ext uri="{FF2B5EF4-FFF2-40B4-BE49-F238E27FC236}">
+                <a16:creationId xmlns:a16="http://schemas.microsoft.com/office/drawing/2014/main" id="{E0229F52-6F2C-449B-A00A-E926581C94EF}"/>
+              </a:ext>
+            </a:extLst>
+          </p:cNvPr>
           <p:cNvPicPr>
             <a:picLocks noChangeAspect="1"/>
           </p:cNvPicPr>
           <p:nvPr/>
         </p:nvPicPr>
         <p:blipFill>
-          <a:blip r:embed="rId1"/>
+          <a:blip r:embed="rId2"/>
           <a:stretch>
             <a:fillRect/>
           </a:stretch>
         </p:blipFill>
         <p:spPr>
           <a:xfrm>
-            <a:off x="728980" y="0"/>
-            <a:ext cx="10965180" cy="6858000"/>
+            <a:off x="-1" y="0"/>
+            <a:ext cx="12099236" cy="6857999"/>
           </a:xfrm>
           <a:prstGeom prst="rect">
             <a:avLst/>
@@ -2946,6 +3005,11 @@
         </p:spPr>
       </p:pic>
     </p:spTree>
+    <p:extLst>
+      <p:ext uri="{BB962C8B-B14F-4D97-AF65-F5344CB8AC3E}">
+        <p14:creationId xmlns:p14="http://schemas.microsoft.com/office/powerpoint/2010/main" val="3239790254"/>
+      </p:ext>
+    </p:extLst>
   </p:cSld>
   <p:clrMapOvr>
     <a:masterClrMapping/>
@@ -3204,6 +3268,8 @@
       </a:bgFillStyleLst>
     </a:fmtScheme>
   </a:themeElements>
+  <a:objectDefaults/>
+  <a:extraClrSchemeLst/>
   <a:extLst>
     <a:ext uri="{05A4C25C-085E-4340-85A3-A5531E510DB2}">
       <thm15:themeFamily xmlns:thm15="http://schemas.microsoft.com/office/thememl/2012/main" name="Office Theme" id="{62F939B6-93AF-4DB8-9C6B-D6C7DFDC589F}" vid="{4A3C46E8-61CC-4603-A589-7422A47A8E4A}"/>
